--- a/inleveren web-app/documentatie/webpresentatie.pptx
+++ b/inleveren web-app/documentatie/webpresentatie.pptx
@@ -16086,7 +16086,7 @@
           <a:p>
             <a:r>
               <a:rPr lang="nl-NL" dirty="0"/>
-              <a:t>C# FIFA2</a:t>
+              <a:t>WEB-APP FIFA2</a:t>
             </a:r>
           </a:p>
         </p:txBody>
